--- a/Slides/04_Sql_TrainingPlan.pptx
+++ b/Slides/04_Sql_TrainingPlan.pptx
@@ -236,7 +236,7 @@
           <a:p>
             <a:fld id="{A06BE876-B150-4492-9C7C-FA6D5FB22A29}" type="datetimeFigureOut">
               <a:rPr lang="en-US" smtClean="0"/>
-              <a:t>1/28/2018</a:t>
+              <a:t>2/18/2018</a:t>
             </a:fld>
             <a:endParaRPr lang="en-US"/>
           </a:p>
@@ -1244,8 +1244,13 @@
             </a:pPr>
             <a:r>
               <a:rPr lang="en-US" baseline="0" dirty="0" smtClean="0"/>
-              <a:t>bit is a Boolean represented by 1 meaning true and 0 meaning false</a:t>
-            </a:r>
+              <a:t>bit is a Boolean represented by 1 meaning true and 0 meaning </a:t>
+            </a:r>
+            <a:r>
+              <a:rPr lang="en-US" baseline="0" dirty="0" smtClean="0"/>
+              <a:t>false.  bool is a synonym for bit(1).</a:t>
+            </a:r>
+            <a:endParaRPr lang="en-US" baseline="0" dirty="0" smtClean="0"/>
           </a:p>
           <a:p>
             <a:pPr marL="171450" indent="-171450">
@@ -7322,7 +7327,7 @@
           <a:p>
             <a:fld id="{96FB5D56-0812-4ED5-8B52-3D0DCBF578CB}" type="datetimeFigureOut">
               <a:rPr lang="en-US" smtClean="0"/>
-              <a:t>1/28/2018</a:t>
+              <a:t>2/18/2018</a:t>
             </a:fld>
             <a:endParaRPr lang="en-US"/>
           </a:p>
@@ -7597,7 +7602,7 @@
           <a:p>
             <a:fld id="{96FB5D56-0812-4ED5-8B52-3D0DCBF578CB}" type="datetimeFigureOut">
               <a:rPr lang="en-US" smtClean="0"/>
-              <a:t>1/28/2018</a:t>
+              <a:t>2/18/2018</a:t>
             </a:fld>
             <a:endParaRPr lang="en-US"/>
           </a:p>
@@ -7791,7 +7796,7 @@
           <a:p>
             <a:fld id="{96FB5D56-0812-4ED5-8B52-3D0DCBF578CB}" type="datetimeFigureOut">
               <a:rPr lang="en-US" smtClean="0"/>
-              <a:t>1/28/2018</a:t>
+              <a:t>2/18/2018</a:t>
             </a:fld>
             <a:endParaRPr lang="en-US"/>
           </a:p>
@@ -8064,7 +8069,7 @@
           <a:p>
             <a:fld id="{96FB5D56-0812-4ED5-8B52-3D0DCBF578CB}" type="datetimeFigureOut">
               <a:rPr lang="en-US" smtClean="0"/>
-              <a:t>1/28/2018</a:t>
+              <a:t>2/18/2018</a:t>
             </a:fld>
             <a:endParaRPr lang="en-US"/>
           </a:p>
@@ -8405,7 +8410,7 @@
           <a:p>
             <a:fld id="{96FB5D56-0812-4ED5-8B52-3D0DCBF578CB}" type="datetimeFigureOut">
               <a:rPr lang="en-US" smtClean="0"/>
-              <a:t>1/28/2018</a:t>
+              <a:t>2/18/2018</a:t>
             </a:fld>
             <a:endParaRPr lang="en-US"/>
           </a:p>
@@ -9028,7 +9033,7 @@
           <a:p>
             <a:fld id="{96FB5D56-0812-4ED5-8B52-3D0DCBF578CB}" type="datetimeFigureOut">
               <a:rPr lang="en-US" smtClean="0"/>
-              <a:t>1/28/2018</a:t>
+              <a:t>2/18/2018</a:t>
             </a:fld>
             <a:endParaRPr lang="en-US"/>
           </a:p>
@@ -9888,7 +9893,7 @@
           <a:p>
             <a:fld id="{96FB5D56-0812-4ED5-8B52-3D0DCBF578CB}" type="datetimeFigureOut">
               <a:rPr lang="en-US" smtClean="0"/>
-              <a:t>1/28/2018</a:t>
+              <a:t>2/18/2018</a:t>
             </a:fld>
             <a:endParaRPr lang="en-US"/>
           </a:p>
@@ -10058,7 +10063,7 @@
           <a:p>
             <a:fld id="{96FB5D56-0812-4ED5-8B52-3D0DCBF578CB}" type="datetimeFigureOut">
               <a:rPr lang="en-US" smtClean="0"/>
-              <a:t>1/28/2018</a:t>
+              <a:t>2/18/2018</a:t>
             </a:fld>
             <a:endParaRPr lang="en-US"/>
           </a:p>
@@ -10238,7 +10243,7 @@
           <a:p>
             <a:fld id="{96FB5D56-0812-4ED5-8B52-3D0DCBF578CB}" type="datetimeFigureOut">
               <a:rPr lang="en-US" smtClean="0"/>
-              <a:t>1/28/2018</a:t>
+              <a:t>2/18/2018</a:t>
             </a:fld>
             <a:endParaRPr lang="en-US"/>
           </a:p>
@@ -10408,7 +10413,7 @@
           <a:p>
             <a:fld id="{96FB5D56-0812-4ED5-8B52-3D0DCBF578CB}" type="datetimeFigureOut">
               <a:rPr lang="en-US" smtClean="0"/>
-              <a:t>1/28/2018</a:t>
+              <a:t>2/18/2018</a:t>
             </a:fld>
             <a:endParaRPr lang="en-US"/>
           </a:p>
@@ -10655,7 +10660,7 @@
           <a:p>
             <a:fld id="{96FB5D56-0812-4ED5-8B52-3D0DCBF578CB}" type="datetimeFigureOut">
               <a:rPr lang="en-US" smtClean="0"/>
-              <a:t>1/28/2018</a:t>
+              <a:t>2/18/2018</a:t>
             </a:fld>
             <a:endParaRPr lang="en-US"/>
           </a:p>
@@ -10947,7 +10952,7 @@
           <a:p>
             <a:fld id="{96FB5D56-0812-4ED5-8B52-3D0DCBF578CB}" type="datetimeFigureOut">
               <a:rPr lang="en-US" smtClean="0"/>
-              <a:t>1/28/2018</a:t>
+              <a:t>2/18/2018</a:t>
             </a:fld>
             <a:endParaRPr lang="en-US"/>
           </a:p>
@@ -11391,7 +11396,7 @@
           <a:p>
             <a:fld id="{96FB5D56-0812-4ED5-8B52-3D0DCBF578CB}" type="datetimeFigureOut">
               <a:rPr lang="en-US" smtClean="0"/>
-              <a:t>1/28/2018</a:t>
+              <a:t>2/18/2018</a:t>
             </a:fld>
             <a:endParaRPr lang="en-US"/>
           </a:p>
@@ -11509,7 +11514,7 @@
           <a:p>
             <a:fld id="{96FB5D56-0812-4ED5-8B52-3D0DCBF578CB}" type="datetimeFigureOut">
               <a:rPr lang="en-US" smtClean="0"/>
-              <a:t>1/28/2018</a:t>
+              <a:t>2/18/2018</a:t>
             </a:fld>
             <a:endParaRPr lang="en-US"/>
           </a:p>
@@ -11604,7 +11609,7 @@
           <a:p>
             <a:fld id="{96FB5D56-0812-4ED5-8B52-3D0DCBF578CB}" type="datetimeFigureOut">
               <a:rPr lang="en-US" smtClean="0"/>
-              <a:t>1/28/2018</a:t>
+              <a:t>2/18/2018</a:t>
             </a:fld>
             <a:endParaRPr lang="en-US"/>
           </a:p>
@@ -11883,7 +11888,7 @@
           <a:p>
             <a:fld id="{96FB5D56-0812-4ED5-8B52-3D0DCBF578CB}" type="datetimeFigureOut">
               <a:rPr lang="en-US" smtClean="0"/>
-              <a:t>1/28/2018</a:t>
+              <a:t>2/18/2018</a:t>
             </a:fld>
             <a:endParaRPr lang="en-US"/>
           </a:p>
@@ -12158,7 +12163,7 @@
           <a:p>
             <a:fld id="{96FB5D56-0812-4ED5-8B52-3D0DCBF578CB}" type="datetimeFigureOut">
               <a:rPr lang="en-US" smtClean="0"/>
-              <a:t>1/28/2018</a:t>
+              <a:t>2/18/2018</a:t>
             </a:fld>
             <a:endParaRPr lang="en-US"/>
           </a:p>
@@ -12587,7 +12592,7 @@
           <a:p>
             <a:fld id="{96FB5D56-0812-4ED5-8B52-3D0DCBF578CB}" type="datetimeFigureOut">
               <a:rPr lang="en-US" smtClean="0"/>
-              <a:t>1/28/2018</a:t>
+              <a:t>2/18/2018</a:t>
             </a:fld>
             <a:endParaRPr lang="en-US"/>
           </a:p>
@@ -13511,9 +13516,14 @@
           </a:p>
           <a:p>
             <a:r>
+              <a:rPr lang="en-US" sz="2800" dirty="0"/>
+              <a:t>b</a:t>
+            </a:r>
+            <a:r>
               <a:rPr lang="en-US" sz="2800" dirty="0" smtClean="0"/>
-              <a:t>bit</a:t>
-            </a:r>
+              <a:t>it, bool</a:t>
+            </a:r>
+            <a:endParaRPr lang="en-US" sz="2800" dirty="0" smtClean="0"/>
           </a:p>
           <a:p>
             <a:r>
@@ -13625,9 +13635,10 @@
           <a:p>
             <a:pPr lvl="1"/>
             <a:r>
-              <a:rPr lang="en-US" sz="2600" dirty="0" smtClean="0"/>
-              <a:t>{</a:t>
-            </a:r>
+              <a:rPr lang="en-US" sz="2600" dirty="0"/>
+              <a:t>(</a:t>
+            </a:r>
+            <a:endParaRPr lang="en-US" sz="2600" dirty="0" smtClean="0"/>
           </a:p>
           <a:p>
             <a:pPr lvl="2"/>
@@ -13646,9 +13657,14 @@
           <a:p>
             <a:pPr lvl="1"/>
             <a:r>
+              <a:rPr lang="en-US" sz="2600" dirty="0"/>
+              <a:t>)</a:t>
+            </a:r>
+            <a:r>
               <a:rPr lang="en-US" sz="2600" dirty="0" smtClean="0"/>
-              <a:t>};</a:t>
-            </a:r>
+              <a:t>;</a:t>
+            </a:r>
+            <a:endParaRPr lang="en-US" sz="2600" dirty="0" smtClean="0"/>
           </a:p>
         </p:txBody>
       </p:sp>
@@ -14110,7 +14126,6 @@
               <a:rPr lang="en-US" sz="3600" dirty="0" smtClean="0"/>
               <a:t>.</a:t>
             </a:r>
-            <a:endParaRPr lang="en-US" sz="3600" dirty="0" smtClean="0"/>
           </a:p>
           <a:p>
             <a:r>
@@ -14918,12 +14933,12 @@
               <a:t>FROM </a:t>
             </a:r>
             <a:r>
-              <a:rPr lang="en-US" sz="2800" dirty="0" err="1"/>
-              <a:t>dbo.Class</a:t>
+              <a:rPr lang="en-US" sz="2800" dirty="0" smtClean="0"/>
+              <a:t>Class </a:t>
             </a:r>
             <a:r>
               <a:rPr lang="en-US" sz="2800" dirty="0"/>
-              <a:t> c</a:t>
+              <a:t>c</a:t>
             </a:r>
           </a:p>
           <a:p>
@@ -14935,12 +14950,8 @@
               <a:t>INNER JOIN </a:t>
             </a:r>
             <a:r>
-              <a:rPr lang="en-US" sz="2800" dirty="0" err="1"/>
-              <a:t>dbo.Teacher</a:t>
-            </a:r>
-            <a:r>
-              <a:rPr lang="en-US" sz="2800" dirty="0"/>
-              <a:t> </a:t>
+              <a:rPr lang="en-US" sz="2800" dirty="0" smtClean="0"/>
+              <a:t>Teacher </a:t>
             </a:r>
             <a:r>
               <a:rPr lang="en-US" sz="2800" dirty="0" smtClean="0"/>
@@ -15101,12 +15112,12 @@
               <a:t>FROM </a:t>
             </a:r>
             <a:r>
-              <a:rPr lang="en-US" sz="2800" dirty="0" err="1"/>
-              <a:t>dbo.Class</a:t>
+              <a:rPr lang="en-US" sz="2800" dirty="0" smtClean="0"/>
+              <a:t>Class </a:t>
             </a:r>
             <a:r>
               <a:rPr lang="en-US" sz="2800" dirty="0"/>
-              <a:t> c</a:t>
+              <a:t>c</a:t>
             </a:r>
           </a:p>
           <a:p>
@@ -15118,12 +15129,8 @@
               <a:t>LEFT OUTER JOIN </a:t>
             </a:r>
             <a:r>
-              <a:rPr lang="en-US" sz="2800" dirty="0" err="1"/>
-              <a:t>dbo.Teacher</a:t>
-            </a:r>
-            <a:r>
-              <a:rPr lang="en-US" sz="2800" dirty="0"/>
-              <a:t> </a:t>
+              <a:rPr lang="en-US" sz="2800" dirty="0" smtClean="0"/>
+              <a:t>Teacher </a:t>
             </a:r>
             <a:r>
               <a:rPr lang="en-US" sz="2800" dirty="0" smtClean="0"/>
@@ -15284,12 +15291,12 @@
               <a:t>FROM </a:t>
             </a:r>
             <a:r>
-              <a:rPr lang="en-US" sz="2800" dirty="0" err="1"/>
-              <a:t>dbo.Class</a:t>
+              <a:rPr lang="en-US" sz="2800" dirty="0" smtClean="0"/>
+              <a:t>Class </a:t>
             </a:r>
             <a:r>
               <a:rPr lang="en-US" sz="2800" dirty="0"/>
-              <a:t> c</a:t>
+              <a:t>c</a:t>
             </a:r>
           </a:p>
           <a:p>
@@ -15301,12 +15308,8 @@
               <a:t>RIGHT OUTER JOIN </a:t>
             </a:r>
             <a:r>
-              <a:rPr lang="en-US" sz="2800" dirty="0" err="1"/>
-              <a:t>dbo.Teacher</a:t>
-            </a:r>
-            <a:r>
-              <a:rPr lang="en-US" sz="2800" dirty="0"/>
-              <a:t> </a:t>
+              <a:rPr lang="en-US" sz="2800" dirty="0" smtClean="0"/>
+              <a:t>Teacher </a:t>
             </a:r>
             <a:r>
               <a:rPr lang="en-US" sz="2800" dirty="0" smtClean="0"/>
@@ -15473,12 +15476,12 @@
               <a:t>FROM </a:t>
             </a:r>
             <a:r>
-              <a:rPr lang="en-US" sz="2800" dirty="0" err="1" smtClean="0"/>
-              <a:t>dbo.Class</a:t>
-            </a:r>
-            <a:r>
               <a:rPr lang="en-US" sz="2800" dirty="0" smtClean="0"/>
-              <a:t> c</a:t>
+              <a:t>Class </a:t>
+            </a:r>
+            <a:r>
+              <a:rPr lang="en-US" sz="2800" dirty="0" smtClean="0"/>
+              <a:t>c</a:t>
             </a:r>
           </a:p>
           <a:p>
@@ -15490,12 +15493,12 @@
               <a:t>INNER JOIN </a:t>
             </a:r>
             <a:r>
-              <a:rPr lang="en-US" sz="2800" dirty="0" err="1" smtClean="0"/>
-              <a:t>dbo.Teacher</a:t>
-            </a:r>
-            <a:r>
               <a:rPr lang="en-US" sz="2800" dirty="0" smtClean="0"/>
-              <a:t> t</a:t>
+              <a:t>Teacher </a:t>
+            </a:r>
+            <a:r>
+              <a:rPr lang="en-US" sz="2800" dirty="0" smtClean="0"/>
+              <a:t>t</a:t>
             </a:r>
           </a:p>
           <a:p>
@@ -15674,12 +15677,12 @@
               <a:t>FROM </a:t>
             </a:r>
             <a:r>
-              <a:rPr lang="en-US" sz="2800" dirty="0" err="1" smtClean="0"/>
-              <a:t>dbo.Class</a:t>
-            </a:r>
-            <a:r>
               <a:rPr lang="en-US" sz="2800" dirty="0" smtClean="0"/>
-              <a:t> c</a:t>
+              <a:t>Class </a:t>
+            </a:r>
+            <a:r>
+              <a:rPr lang="en-US" sz="2800" dirty="0" smtClean="0"/>
+              <a:t>c</a:t>
             </a:r>
           </a:p>
           <a:p>
@@ -15691,12 +15694,12 @@
               <a:t>INNER JOIN </a:t>
             </a:r>
             <a:r>
-              <a:rPr lang="en-US" sz="2800" dirty="0" err="1" smtClean="0"/>
-              <a:t>dbo.Teacher</a:t>
-            </a:r>
-            <a:r>
               <a:rPr lang="en-US" sz="2800" dirty="0" smtClean="0"/>
-              <a:t> t</a:t>
+              <a:t>Teacher </a:t>
+            </a:r>
+            <a:r>
+              <a:rPr lang="en-US" sz="2800" dirty="0" smtClean="0"/>
+              <a:t>t</a:t>
             </a:r>
           </a:p>
           <a:p>
@@ -16033,7 +16036,6 @@
               <a:rPr lang="en-US" sz="3600" dirty="0" smtClean="0"/>
               <a:t>Change the select so that it shows all statuses regardless of whether the status is currently associated with any person.</a:t>
             </a:r>
-            <a:endParaRPr lang="en-US" sz="3600" dirty="0" smtClean="0"/>
           </a:p>
         </p:txBody>
       </p:sp>
@@ -17956,8 +17958,8 @@
               <a:t>FROM </a:t>
             </a:r>
             <a:r>
-              <a:rPr lang="en-US" sz="2800" dirty="0" err="1"/>
-              <a:t>dbo.Person</a:t>
+              <a:rPr lang="en-US" sz="2800" dirty="0" smtClean="0"/>
+              <a:t>Person</a:t>
             </a:r>
             <a:endParaRPr lang="en-US" sz="2800" dirty="0"/>
           </a:p>
@@ -18080,7 +18082,6 @@
               <a:rPr lang="en-US" sz="3200" dirty="0" smtClean="0"/>
               <a:t>Try connecting your new tables to an application using Dapper.</a:t>
             </a:r>
-            <a:endParaRPr lang="en-US" sz="3200" dirty="0" smtClean="0"/>
           </a:p>
           <a:p>
             <a:endParaRPr lang="en-US" sz="2800" dirty="0" smtClean="0"/>
@@ -18440,12 +18441,12 @@
               <a:t>INSERT INTO </a:t>
             </a:r>
             <a:r>
-              <a:rPr lang="en-US" sz="2800" dirty="0" err="1"/>
-              <a:t>dbo.Person</a:t>
+              <a:rPr lang="en-US" sz="2800" dirty="0" smtClean="0"/>
+              <a:t>Person </a:t>
             </a:r>
             <a:r>
               <a:rPr lang="en-US" sz="2800" dirty="0"/>
-              <a:t> (</a:t>
+              <a:t>(</a:t>
             </a:r>
             <a:r>
               <a:rPr lang="en-US" sz="2800" dirty="0" err="1"/>
@@ -18605,8 +18606,8 @@
               <a:t>UPDATE </a:t>
             </a:r>
             <a:r>
-              <a:rPr lang="en-US" sz="2800" dirty="0" err="1"/>
-              <a:t>dbo.Person</a:t>
+              <a:rPr lang="en-US" sz="2800" dirty="0" smtClean="0"/>
+              <a:t>Person</a:t>
             </a:r>
             <a:endParaRPr lang="en-US" sz="2800" dirty="0"/>
           </a:p>
@@ -18785,8 +18786,8 @@
               <a:t>FROM </a:t>
             </a:r>
             <a:r>
-              <a:rPr lang="en-US" sz="2800" dirty="0" err="1"/>
-              <a:t>dbo.Person</a:t>
+              <a:rPr lang="en-US" sz="2800" dirty="0" smtClean="0"/>
+              <a:t>Person</a:t>
             </a:r>
             <a:endParaRPr lang="en-US" sz="2800" dirty="0"/>
           </a:p>

--- a/Slides/04_Sql_TrainingPlan.pptx
+++ b/Slides/04_Sql_TrainingPlan.pptx
@@ -236,7 +236,7 @@
           <a:p>
             <a:fld id="{A06BE876-B150-4492-9C7C-FA6D5FB22A29}" type="datetimeFigureOut">
               <a:rPr lang="en-US" smtClean="0"/>
-              <a:t>1/28/2018</a:t>
+              <a:t>2/17/2018</a:t>
             </a:fld>
             <a:endParaRPr lang="en-US"/>
           </a:p>
@@ -7322,7 +7322,7 @@
           <a:p>
             <a:fld id="{96FB5D56-0812-4ED5-8B52-3D0DCBF578CB}" type="datetimeFigureOut">
               <a:rPr lang="en-US" smtClean="0"/>
-              <a:t>1/28/2018</a:t>
+              <a:t>2/17/2018</a:t>
             </a:fld>
             <a:endParaRPr lang="en-US"/>
           </a:p>
@@ -7597,7 +7597,7 @@
           <a:p>
             <a:fld id="{96FB5D56-0812-4ED5-8B52-3D0DCBF578CB}" type="datetimeFigureOut">
               <a:rPr lang="en-US" smtClean="0"/>
-              <a:t>1/28/2018</a:t>
+              <a:t>2/17/2018</a:t>
             </a:fld>
             <a:endParaRPr lang="en-US"/>
           </a:p>
@@ -7791,7 +7791,7 @@
           <a:p>
             <a:fld id="{96FB5D56-0812-4ED5-8B52-3D0DCBF578CB}" type="datetimeFigureOut">
               <a:rPr lang="en-US" smtClean="0"/>
-              <a:t>1/28/2018</a:t>
+              <a:t>2/17/2018</a:t>
             </a:fld>
             <a:endParaRPr lang="en-US"/>
           </a:p>
@@ -8064,7 +8064,7 @@
           <a:p>
             <a:fld id="{96FB5D56-0812-4ED5-8B52-3D0DCBF578CB}" type="datetimeFigureOut">
               <a:rPr lang="en-US" smtClean="0"/>
-              <a:t>1/28/2018</a:t>
+              <a:t>2/17/2018</a:t>
             </a:fld>
             <a:endParaRPr lang="en-US"/>
           </a:p>
@@ -8405,7 +8405,7 @@
           <a:p>
             <a:fld id="{96FB5D56-0812-4ED5-8B52-3D0DCBF578CB}" type="datetimeFigureOut">
               <a:rPr lang="en-US" smtClean="0"/>
-              <a:t>1/28/2018</a:t>
+              <a:t>2/17/2018</a:t>
             </a:fld>
             <a:endParaRPr lang="en-US"/>
           </a:p>
@@ -9028,7 +9028,7 @@
           <a:p>
             <a:fld id="{96FB5D56-0812-4ED5-8B52-3D0DCBF578CB}" type="datetimeFigureOut">
               <a:rPr lang="en-US" smtClean="0"/>
-              <a:t>1/28/2018</a:t>
+              <a:t>2/17/2018</a:t>
             </a:fld>
             <a:endParaRPr lang="en-US"/>
           </a:p>
@@ -9888,7 +9888,7 @@
           <a:p>
             <a:fld id="{96FB5D56-0812-4ED5-8B52-3D0DCBF578CB}" type="datetimeFigureOut">
               <a:rPr lang="en-US" smtClean="0"/>
-              <a:t>1/28/2018</a:t>
+              <a:t>2/17/2018</a:t>
             </a:fld>
             <a:endParaRPr lang="en-US"/>
           </a:p>
@@ -10058,7 +10058,7 @@
           <a:p>
             <a:fld id="{96FB5D56-0812-4ED5-8B52-3D0DCBF578CB}" type="datetimeFigureOut">
               <a:rPr lang="en-US" smtClean="0"/>
-              <a:t>1/28/2018</a:t>
+              <a:t>2/17/2018</a:t>
             </a:fld>
             <a:endParaRPr lang="en-US"/>
           </a:p>
@@ -10238,7 +10238,7 @@
           <a:p>
             <a:fld id="{96FB5D56-0812-4ED5-8B52-3D0DCBF578CB}" type="datetimeFigureOut">
               <a:rPr lang="en-US" smtClean="0"/>
-              <a:t>1/28/2018</a:t>
+              <a:t>2/17/2018</a:t>
             </a:fld>
             <a:endParaRPr lang="en-US"/>
           </a:p>
@@ -10408,7 +10408,7 @@
           <a:p>
             <a:fld id="{96FB5D56-0812-4ED5-8B52-3D0DCBF578CB}" type="datetimeFigureOut">
               <a:rPr lang="en-US" smtClean="0"/>
-              <a:t>1/28/2018</a:t>
+              <a:t>2/17/2018</a:t>
             </a:fld>
             <a:endParaRPr lang="en-US"/>
           </a:p>
@@ -10655,7 +10655,7 @@
           <a:p>
             <a:fld id="{96FB5D56-0812-4ED5-8B52-3D0DCBF578CB}" type="datetimeFigureOut">
               <a:rPr lang="en-US" smtClean="0"/>
-              <a:t>1/28/2018</a:t>
+              <a:t>2/17/2018</a:t>
             </a:fld>
             <a:endParaRPr lang="en-US"/>
           </a:p>
@@ -10947,7 +10947,7 @@
           <a:p>
             <a:fld id="{96FB5D56-0812-4ED5-8B52-3D0DCBF578CB}" type="datetimeFigureOut">
               <a:rPr lang="en-US" smtClean="0"/>
-              <a:t>1/28/2018</a:t>
+              <a:t>2/17/2018</a:t>
             </a:fld>
             <a:endParaRPr lang="en-US"/>
           </a:p>
@@ -11391,7 +11391,7 @@
           <a:p>
             <a:fld id="{96FB5D56-0812-4ED5-8B52-3D0DCBF578CB}" type="datetimeFigureOut">
               <a:rPr lang="en-US" smtClean="0"/>
-              <a:t>1/28/2018</a:t>
+              <a:t>2/17/2018</a:t>
             </a:fld>
             <a:endParaRPr lang="en-US"/>
           </a:p>
@@ -11509,7 +11509,7 @@
           <a:p>
             <a:fld id="{96FB5D56-0812-4ED5-8B52-3D0DCBF578CB}" type="datetimeFigureOut">
               <a:rPr lang="en-US" smtClean="0"/>
-              <a:t>1/28/2018</a:t>
+              <a:t>2/17/2018</a:t>
             </a:fld>
             <a:endParaRPr lang="en-US"/>
           </a:p>
@@ -11604,7 +11604,7 @@
           <a:p>
             <a:fld id="{96FB5D56-0812-4ED5-8B52-3D0DCBF578CB}" type="datetimeFigureOut">
               <a:rPr lang="en-US" smtClean="0"/>
-              <a:t>1/28/2018</a:t>
+              <a:t>2/17/2018</a:t>
             </a:fld>
             <a:endParaRPr lang="en-US"/>
           </a:p>
@@ -11883,7 +11883,7 @@
           <a:p>
             <a:fld id="{96FB5D56-0812-4ED5-8B52-3D0DCBF578CB}" type="datetimeFigureOut">
               <a:rPr lang="en-US" smtClean="0"/>
-              <a:t>1/28/2018</a:t>
+              <a:t>2/17/2018</a:t>
             </a:fld>
             <a:endParaRPr lang="en-US"/>
           </a:p>
@@ -12158,7 +12158,7 @@
           <a:p>
             <a:fld id="{96FB5D56-0812-4ED5-8B52-3D0DCBF578CB}" type="datetimeFigureOut">
               <a:rPr lang="en-US" smtClean="0"/>
-              <a:t>1/28/2018</a:t>
+              <a:t>2/17/2018</a:t>
             </a:fld>
             <a:endParaRPr lang="en-US"/>
           </a:p>
@@ -12587,7 +12587,7 @@
           <a:p>
             <a:fld id="{96FB5D56-0812-4ED5-8B52-3D0DCBF578CB}" type="datetimeFigureOut">
               <a:rPr lang="en-US" smtClean="0"/>
-              <a:t>1/28/2018</a:t>
+              <a:t>2/17/2018</a:t>
             </a:fld>
             <a:endParaRPr lang="en-US"/>
           </a:p>
@@ -13550,6 +13550,13 @@
   <p:clrMapOvr>
     <a:masterClrMapping/>
   </p:clrMapOvr>
+  <p:timing>
+    <p:tnLst>
+      <p:par>
+        <p:cTn id="1" dur="indefinite" restart="never" nodeType="tmRoot"/>
+      </p:par>
+    </p:tnLst>
+  </p:timing>
 </p:sld>
 </file>
 
@@ -13625,9 +13632,10 @@
           <a:p>
             <a:pPr lvl="1"/>
             <a:r>
-              <a:rPr lang="en-US" sz="2600" dirty="0" smtClean="0"/>
-              <a:t>{</a:t>
-            </a:r>
+              <a:rPr lang="en-US" sz="2600" dirty="0"/>
+              <a:t>(</a:t>
+            </a:r>
+            <a:endParaRPr lang="en-US" sz="2600" dirty="0" smtClean="0"/>
           </a:p>
           <a:p>
             <a:pPr lvl="2"/>
@@ -13647,8 +13655,13 @@
             <a:pPr lvl="1"/>
             <a:r>
               <a:rPr lang="en-US" sz="2600" dirty="0" smtClean="0"/>
-              <a:t>};</a:t>
-            </a:r>
+              <a:t>)</a:t>
+            </a:r>
+            <a:r>
+              <a:rPr lang="en-US" sz="2600" smtClean="0"/>
+              <a:t>;</a:t>
+            </a:r>
+            <a:endParaRPr lang="en-US" sz="2600" dirty="0" smtClean="0"/>
           </a:p>
         </p:txBody>
       </p:sp>
@@ -13784,6 +13797,13 @@
   <p:clrMapOvr>
     <a:masterClrMapping/>
   </p:clrMapOvr>
+  <p:timing>
+    <p:tnLst>
+      <p:par>
+        <p:cTn id="1" dur="indefinite" restart="never" nodeType="tmRoot"/>
+      </p:par>
+    </p:tnLst>
+  </p:timing>
 </p:sld>
 </file>
 
@@ -14110,7 +14130,6 @@
               <a:rPr lang="en-US" sz="3600" dirty="0" smtClean="0"/>
               <a:t>.</a:t>
             </a:r>
-            <a:endParaRPr lang="en-US" sz="3600" dirty="0" smtClean="0"/>
           </a:p>
           <a:p>
             <a:r>
@@ -14680,6 +14699,13 @@
   <p:clrMapOvr>
     <a:masterClrMapping/>
   </p:clrMapOvr>
+  <p:timing>
+    <p:tnLst>
+      <p:par>
+        <p:cTn id="1" dur="indefinite" restart="never" nodeType="tmRoot"/>
+      </p:par>
+    </p:tnLst>
+  </p:timing>
 </p:sld>
 </file>
 
@@ -16033,7 +16059,6 @@
               <a:rPr lang="en-US" sz="3600" dirty="0" smtClean="0"/>
               <a:t>Change the select so that it shows all statuses regardless of whether the status is currently associated with any person.</a:t>
             </a:r>
-            <a:endParaRPr lang="en-US" sz="3600" dirty="0" smtClean="0"/>
           </a:p>
         </p:txBody>
       </p:sp>
@@ -17993,6 +18018,13 @@
   <p:clrMapOvr>
     <a:masterClrMapping/>
   </p:clrMapOvr>
+  <p:timing>
+    <p:tnLst>
+      <p:par>
+        <p:cTn id="1" dur="indefinite" restart="never" nodeType="tmRoot"/>
+      </p:par>
+    </p:tnLst>
+  </p:timing>
 </p:sld>
 </file>
 
@@ -18080,7 +18112,6 @@
               <a:rPr lang="en-US" sz="3200" dirty="0" smtClean="0"/>
               <a:t>Try connecting your new tables to an application using Dapper.</a:t>
             </a:r>
-            <a:endParaRPr lang="en-US" sz="3200" dirty="0" smtClean="0"/>
           </a:p>
           <a:p>
             <a:endParaRPr lang="en-US" sz="2800" dirty="0" smtClean="0"/>
@@ -18488,6 +18519,13 @@
   <p:clrMapOvr>
     <a:masterClrMapping/>
   </p:clrMapOvr>
+  <p:timing>
+    <p:tnLst>
+      <p:par>
+        <p:cTn id="1" dur="indefinite" restart="never" nodeType="tmRoot"/>
+      </p:par>
+    </p:tnLst>
+  </p:timing>
 </p:sld>
 </file>
 
@@ -18557,8 +18595,9 @@
             <a:pPr lvl="1"/>
             <a:r>
               <a:rPr lang="en-US" sz="2800" dirty="0" smtClean="0"/>
-              <a:t>UDATE</a:t>
-            </a:r>
+              <a:t>UPDATE</a:t>
+            </a:r>
+            <a:endParaRPr lang="en-US" sz="2800" dirty="0" smtClean="0"/>
           </a:p>
           <a:p>
             <a:pPr lvl="1"/>
@@ -18659,6 +18698,13 @@
   <p:clrMapOvr>
     <a:masterClrMapping/>
   </p:clrMapOvr>
+  <p:timing>
+    <p:tnLst>
+      <p:par>
+        <p:cTn id="1" dur="indefinite" restart="never" nodeType="tmRoot"/>
+      </p:par>
+    </p:tnLst>
+  </p:timing>
 </p:sld>
 </file>
 
@@ -18822,6 +18868,13 @@
   <p:clrMapOvr>
     <a:masterClrMapping/>
   </p:clrMapOvr>
+  <p:timing>
+    <p:tnLst>
+      <p:par>
+        <p:cTn id="1" dur="indefinite" restart="never" nodeType="tmRoot"/>
+      </p:par>
+    </p:tnLst>
+  </p:timing>
 </p:sld>
 </file>
 
